--- a/プレゼンテーション1.pptx
+++ b/プレゼンテーション1.pptx
@@ -107,6 +107,11 @@
       </a:defRPr>
     </a:lvl9pPr>
   </p:defaultTextStyle>
+  <p:extLst>
+    <p:ext uri="{EFAFB233-063F-42B5-8137-9DF3F51BA10A}">
+      <p15:sldGuideLst xmlns:p15="http://schemas.microsoft.com/office/powerpoint/2012/main"/>
+    </p:ext>
+  </p:extLst>
 </p:presentation>
 </file>
 
@@ -257,7 +262,7 @@
           <a:p>
             <a:fld id="{AF8BEA71-C1A9-4560-88FF-EA9BE840F53C}" type="datetimeFigureOut">
               <a:rPr kumimoji="1" lang="ja-JP" altLang="en-US" smtClean="0"/>
-              <a:t>2024/11/27</a:t>
+              <a:t>2024/12/4</a:t>
             </a:fld>
             <a:endParaRPr kumimoji="1" lang="ja-JP" altLang="en-US"/>
           </a:p>
@@ -487,7 +492,7 @@
           <a:p>
             <a:fld id="{AF8BEA71-C1A9-4560-88FF-EA9BE840F53C}" type="datetimeFigureOut">
               <a:rPr kumimoji="1" lang="ja-JP" altLang="en-US" smtClean="0"/>
-              <a:t>2024/11/27</a:t>
+              <a:t>2024/12/4</a:t>
             </a:fld>
             <a:endParaRPr kumimoji="1" lang="ja-JP" altLang="en-US"/>
           </a:p>
@@ -727,7 +732,7 @@
           <a:p>
             <a:fld id="{AF8BEA71-C1A9-4560-88FF-EA9BE840F53C}" type="datetimeFigureOut">
               <a:rPr kumimoji="1" lang="ja-JP" altLang="en-US" smtClean="0"/>
-              <a:t>2024/11/27</a:t>
+              <a:t>2024/12/4</a:t>
             </a:fld>
             <a:endParaRPr kumimoji="1" lang="ja-JP" altLang="en-US"/>
           </a:p>
@@ -957,7 +962,7 @@
           <a:p>
             <a:fld id="{AF8BEA71-C1A9-4560-88FF-EA9BE840F53C}" type="datetimeFigureOut">
               <a:rPr kumimoji="1" lang="ja-JP" altLang="en-US" smtClean="0"/>
-              <a:t>2024/11/27</a:t>
+              <a:t>2024/12/4</a:t>
             </a:fld>
             <a:endParaRPr kumimoji="1" lang="ja-JP" altLang="en-US"/>
           </a:p>
@@ -1232,7 +1237,7 @@
           <a:p>
             <a:fld id="{AF8BEA71-C1A9-4560-88FF-EA9BE840F53C}" type="datetimeFigureOut">
               <a:rPr kumimoji="1" lang="ja-JP" altLang="en-US" smtClean="0"/>
-              <a:t>2024/11/27</a:t>
+              <a:t>2024/12/4</a:t>
             </a:fld>
             <a:endParaRPr kumimoji="1" lang="ja-JP" altLang="en-US"/>
           </a:p>
@@ -1561,7 +1566,7 @@
           <a:p>
             <a:fld id="{AF8BEA71-C1A9-4560-88FF-EA9BE840F53C}" type="datetimeFigureOut">
               <a:rPr kumimoji="1" lang="ja-JP" altLang="en-US" smtClean="0"/>
-              <a:t>2024/11/27</a:t>
+              <a:t>2024/12/4</a:t>
             </a:fld>
             <a:endParaRPr kumimoji="1" lang="ja-JP" altLang="en-US"/>
           </a:p>
@@ -2037,7 +2042,7 @@
           <a:p>
             <a:fld id="{AF8BEA71-C1A9-4560-88FF-EA9BE840F53C}" type="datetimeFigureOut">
               <a:rPr kumimoji="1" lang="ja-JP" altLang="en-US" smtClean="0"/>
-              <a:t>2024/11/27</a:t>
+              <a:t>2024/12/4</a:t>
             </a:fld>
             <a:endParaRPr kumimoji="1" lang="ja-JP" altLang="en-US"/>
           </a:p>
@@ -2178,7 +2183,7 @@
           <a:p>
             <a:fld id="{AF8BEA71-C1A9-4560-88FF-EA9BE840F53C}" type="datetimeFigureOut">
               <a:rPr kumimoji="1" lang="ja-JP" altLang="en-US" smtClean="0"/>
-              <a:t>2024/11/27</a:t>
+              <a:t>2024/12/4</a:t>
             </a:fld>
             <a:endParaRPr kumimoji="1" lang="ja-JP" altLang="en-US"/>
           </a:p>
@@ -2291,7 +2296,7 @@
           <a:p>
             <a:fld id="{AF8BEA71-C1A9-4560-88FF-EA9BE840F53C}" type="datetimeFigureOut">
               <a:rPr kumimoji="1" lang="ja-JP" altLang="en-US" smtClean="0"/>
-              <a:t>2024/11/27</a:t>
+              <a:t>2024/12/4</a:t>
             </a:fld>
             <a:endParaRPr kumimoji="1" lang="ja-JP" altLang="en-US"/>
           </a:p>
@@ -2634,7 +2639,7 @@
           <a:p>
             <a:fld id="{AF8BEA71-C1A9-4560-88FF-EA9BE840F53C}" type="datetimeFigureOut">
               <a:rPr kumimoji="1" lang="ja-JP" altLang="en-US" smtClean="0"/>
-              <a:t>2024/11/27</a:t>
+              <a:t>2024/12/4</a:t>
             </a:fld>
             <a:endParaRPr kumimoji="1" lang="ja-JP" altLang="en-US"/>
           </a:p>
@@ -2922,7 +2927,7 @@
           <a:p>
             <a:fld id="{AF8BEA71-C1A9-4560-88FF-EA9BE840F53C}" type="datetimeFigureOut">
               <a:rPr kumimoji="1" lang="ja-JP" altLang="en-US" smtClean="0"/>
-              <a:t>2024/11/27</a:t>
+              <a:t>2024/12/4</a:t>
             </a:fld>
             <a:endParaRPr kumimoji="1" lang="ja-JP" altLang="en-US"/>
           </a:p>
@@ -3195,7 +3200,7 @@
           <a:p>
             <a:fld id="{AF8BEA71-C1A9-4560-88FF-EA9BE840F53C}" type="datetimeFigureOut">
               <a:rPr kumimoji="1" lang="ja-JP" altLang="en-US" smtClean="0"/>
-              <a:t>2024/11/27</a:t>
+              <a:t>2024/12/4</a:t>
             </a:fld>
             <a:endParaRPr kumimoji="1" lang="ja-JP" altLang="en-US"/>
           </a:p>
@@ -4941,52 +4946,202 @@
           <a:p>
             <a:r>
               <a:rPr kumimoji="1" lang="ja-JP" altLang="en-US" dirty="0"/>
-              <a:t>〇家賃　６００００円</a:t>
-            </a:r>
-            <a:endParaRPr kumimoji="1" lang="en-US" altLang="ja-JP" dirty="0"/>
-          </a:p>
-          <a:p>
-            <a:r>
-              <a:rPr lang="ja-JP" altLang="en-US" dirty="0"/>
-              <a:t>〇敷金　３００００円</a:t>
-            </a:r>
-            <a:endParaRPr lang="en-US" altLang="ja-JP" dirty="0"/>
+              <a:t>〇賃料 当月</a:t>
+            </a:r>
+            <a:r>
+              <a:rPr kumimoji="1" lang="en-US" altLang="ja-JP" dirty="0"/>
+              <a:t>: *50,452*</a:t>
+            </a:r>
           </a:p>
           <a:p>
             <a:r>
               <a:rPr kumimoji="1" lang="ja-JP" altLang="en-US" dirty="0"/>
-              <a:t>〇</a:t>
-            </a:r>
-            <a:r>
-              <a:rPr lang="ja-JP" altLang="en-US" dirty="0"/>
-              <a:t>礼金　３００００円</a:t>
-            </a:r>
-            <a:endParaRPr lang="en-US" altLang="ja-JP" dirty="0"/>
+              <a:t>〇賃料 翌月</a:t>
+            </a:r>
+            <a:r>
+              <a:rPr kumimoji="1" lang="en-US" altLang="ja-JP" dirty="0"/>
+              <a:t>: *92,000*</a:t>
+            </a:r>
           </a:p>
           <a:p>
             <a:r>
               <a:rPr kumimoji="1" lang="ja-JP" altLang="en-US" dirty="0"/>
-              <a:t>〇仲介手数料　６００００円</a:t>
-            </a:r>
-            <a:endParaRPr kumimoji="1" lang="en-US" altLang="ja-JP" dirty="0"/>
+              <a:t>〇敷金</a:t>
+            </a:r>
+            <a:r>
+              <a:rPr kumimoji="1" lang="en-US" altLang="ja-JP" dirty="0"/>
+              <a:t>: *101,200*</a:t>
+            </a:r>
           </a:p>
           <a:p>
             <a:r>
               <a:rPr kumimoji="1" lang="ja-JP" altLang="en-US" dirty="0"/>
-              <a:t>〇</a:t>
-            </a:r>
-            <a:r>
-              <a:rPr kumimoji="1" lang="ja-JP" altLang="en-US" strike="sngStrike" dirty="0"/>
-              <a:t>鍵交換　１５００００円</a:t>
-            </a:r>
-            <a:endParaRPr kumimoji="1" lang="en-US" altLang="ja-JP" strike="sngStrike" dirty="0"/>
-          </a:p>
-          <a:p>
-            <a:r>
-              <a:rPr lang="ja-JP" altLang="en-US" dirty="0"/>
-              <a:t>↑選択してないとこうなる</a:t>
-            </a:r>
-            <a:endParaRPr kumimoji="1" lang="en-US" altLang="ja-JP" dirty="0"/>
+              <a:t>〇礼金</a:t>
+            </a:r>
+            <a:r>
+              <a:rPr kumimoji="1" lang="en-US" altLang="ja-JP" dirty="0"/>
+              <a:t>: *0*</a:t>
+            </a:r>
+          </a:p>
+          <a:p>
+            <a:r>
+              <a:rPr kumimoji="1" lang="ja-JP" altLang="en-US" dirty="0"/>
+              <a:t>〇仲介手数料</a:t>
+            </a:r>
+            <a:r>
+              <a:rPr kumimoji="1" lang="en-US" altLang="ja-JP" dirty="0"/>
+              <a:t>: *50,452*</a:t>
+            </a:r>
+          </a:p>
+          <a:p>
+            <a:r>
+              <a:rPr kumimoji="1" lang="ja-JP" altLang="en-US" dirty="0"/>
+              <a:t>〇管理費 当月</a:t>
+            </a:r>
+            <a:r>
+              <a:rPr kumimoji="1" lang="en-US" altLang="ja-JP" dirty="0"/>
+              <a:t>: *990*</a:t>
+            </a:r>
+          </a:p>
+          <a:p>
+            <a:r>
+              <a:rPr kumimoji="1" lang="ja-JP" altLang="en-US" dirty="0"/>
+              <a:t>〇管理費 翌月</a:t>
+            </a:r>
+            <a:r>
+              <a:rPr kumimoji="1" lang="en-US" altLang="ja-JP" dirty="0"/>
+              <a:t>: *3,000*</a:t>
+            </a:r>
+          </a:p>
+          <a:p>
+            <a:r>
+              <a:rPr kumimoji="1" lang="ja-JP" altLang="en-US" dirty="0"/>
+              <a:t>〇共益費 当月</a:t>
+            </a:r>
+            <a:r>
+              <a:rPr kumimoji="1" lang="en-US" altLang="ja-JP" dirty="0"/>
+              <a:t>: *0*</a:t>
+            </a:r>
+          </a:p>
+          <a:p>
+            <a:r>
+              <a:rPr kumimoji="1" lang="ja-JP" altLang="en-US" dirty="0"/>
+              <a:t>〇共益費 翌月</a:t>
+            </a:r>
+            <a:r>
+              <a:rPr kumimoji="1" lang="en-US" altLang="ja-JP" dirty="0"/>
+              <a:t>: *0*</a:t>
+            </a:r>
+          </a:p>
+          <a:p>
+            <a:r>
+              <a:rPr kumimoji="1" lang="ja-JP" altLang="en-US" dirty="0"/>
+              <a:t>〇町内会費 当月</a:t>
+            </a:r>
+            <a:r>
+              <a:rPr kumimoji="1" lang="en-US" altLang="ja-JP" dirty="0"/>
+              <a:t>: *543*</a:t>
+            </a:r>
+          </a:p>
+          <a:p>
+            <a:r>
+              <a:rPr kumimoji="1" lang="ja-JP" altLang="en-US" dirty="0"/>
+              <a:t>〇町内会費 翌月</a:t>
+            </a:r>
+            <a:r>
+              <a:rPr kumimoji="1" lang="en-US" altLang="ja-JP" dirty="0"/>
+              <a:t>: *0*</a:t>
+            </a:r>
+          </a:p>
+          <a:p>
+            <a:r>
+              <a:rPr kumimoji="1" lang="ja-JP" altLang="en-US" dirty="0"/>
+              <a:t>〇駐車料 当月</a:t>
+            </a:r>
+            <a:r>
+              <a:rPr kumimoji="1" lang="en-US" altLang="ja-JP" dirty="0"/>
+              <a:t>: *0*</a:t>
+            </a:r>
+          </a:p>
+          <a:p>
+            <a:r>
+              <a:rPr kumimoji="1" lang="ja-JP" altLang="en-US" dirty="0"/>
+              <a:t>〇駐車料 翌月</a:t>
+            </a:r>
+            <a:r>
+              <a:rPr kumimoji="1" lang="en-US" altLang="ja-JP" dirty="0"/>
+              <a:t>: *0*</a:t>
+            </a:r>
+          </a:p>
+          <a:p>
+            <a:r>
+              <a:rPr kumimoji="1" lang="ja-JP" altLang="en-US" dirty="0"/>
+              <a:t>〇保険料</a:t>
+            </a:r>
+            <a:r>
+              <a:rPr kumimoji="1" lang="en-US" altLang="ja-JP" dirty="0"/>
+              <a:t>: *18,700*</a:t>
+            </a:r>
+          </a:p>
+          <a:p>
+            <a:r>
+              <a:rPr kumimoji="1" lang="ja-JP" altLang="en-US" dirty="0"/>
+              <a:t>〇鍵交換</a:t>
+            </a:r>
+            <a:r>
+              <a:rPr kumimoji="1" lang="en-US" altLang="ja-JP" dirty="0"/>
+              <a:t>: *16,500*</a:t>
+            </a:r>
+          </a:p>
+          <a:p>
+            <a:r>
+              <a:rPr kumimoji="1" lang="ja-JP" altLang="en-US" dirty="0"/>
+              <a:t>〇インターネット代</a:t>
+            </a:r>
+            <a:r>
+              <a:rPr kumimoji="1" lang="en-US" altLang="ja-JP" dirty="0"/>
+              <a:t>: *0*</a:t>
+            </a:r>
+          </a:p>
+          <a:p>
+            <a:r>
+              <a:rPr kumimoji="1" lang="ja-JP" altLang="en-US" dirty="0"/>
+              <a:t>〇消毒代</a:t>
+            </a:r>
+            <a:r>
+              <a:rPr kumimoji="1" lang="en-US" altLang="ja-JP" dirty="0"/>
+              <a:t>: *0*</a:t>
+            </a:r>
+          </a:p>
+          <a:p>
+            <a:r>
+              <a:rPr kumimoji="1" lang="ja-JP" altLang="en-US" dirty="0"/>
+              <a:t>〇退去時クリーニング費用</a:t>
+            </a:r>
+            <a:r>
+              <a:rPr kumimoji="1" lang="en-US" altLang="ja-JP" dirty="0"/>
+              <a:t>: *66,000*</a:t>
+            </a:r>
+          </a:p>
+          <a:p>
+            <a:r>
+              <a:rPr kumimoji="1" lang="ja-JP" altLang="en-US" dirty="0"/>
+              <a:t>〇その他</a:t>
+            </a:r>
+            <a:r>
+              <a:rPr kumimoji="1" lang="en-US" altLang="ja-JP" dirty="0"/>
+              <a:t>: *0*</a:t>
+            </a:r>
+          </a:p>
+          <a:p>
+            <a:r>
+              <a:rPr kumimoji="1" lang="ja-JP" altLang="en-US" dirty="0"/>
+              <a:t>〇合計金額</a:t>
+            </a:r>
+            <a:r>
+              <a:rPr kumimoji="1" lang="en-US" altLang="ja-JP" dirty="0"/>
+              <a:t>: *447,020*</a:t>
+            </a:r>
           </a:p>
         </p:txBody>
       </p:sp>
